--- a/github.pptx
+++ b/github.pptx
@@ -20,6 +20,10 @@
     <p:sldId id="268" r:id="rId14"/>
     <p:sldId id="269" r:id="rId15"/>
     <p:sldId id="270" r:id="rId16"/>
+    <p:sldId id="271" r:id="rId17"/>
+    <p:sldId id="272" r:id="rId18"/>
+    <p:sldId id="273" r:id="rId19"/>
+    <p:sldId id="274" r:id="rId20"/>
   </p:sldIdLst>
   <p:sldSz cx="12192000" cy="6858000"/>
   <p:notesSz cx="6858000" cy="9144000"/>
@@ -323,7 +327,7 @@
           <a:p>
             <a:fld id="{E2F22D9A-8946-4D05-BCCC-5CBC293D2BDF}" type="datetimeFigureOut">
               <a:rPr lang="en-PH" smtClean="0"/>
-              <a:t>8/7/2017</a:t>
+              <a:t>8/8/2017</a:t>
             </a:fld>
             <a:endParaRPr lang="en-PH"/>
           </a:p>
@@ -598,7 +602,7 @@
           <a:p>
             <a:fld id="{E2F22D9A-8946-4D05-BCCC-5CBC293D2BDF}" type="datetimeFigureOut">
               <a:rPr lang="en-PH" smtClean="0"/>
-              <a:t>8/7/2017</a:t>
+              <a:t>8/8/2017</a:t>
             </a:fld>
             <a:endParaRPr lang="en-PH"/>
           </a:p>
@@ -792,7 +796,7 @@
           <a:p>
             <a:fld id="{E2F22D9A-8946-4D05-BCCC-5CBC293D2BDF}" type="datetimeFigureOut">
               <a:rPr lang="en-PH" smtClean="0"/>
-              <a:t>8/7/2017</a:t>
+              <a:t>8/8/2017</a:t>
             </a:fld>
             <a:endParaRPr lang="en-PH"/>
           </a:p>
@@ -1065,7 +1069,7 @@
           <a:p>
             <a:fld id="{E2F22D9A-8946-4D05-BCCC-5CBC293D2BDF}" type="datetimeFigureOut">
               <a:rPr lang="en-PH" smtClean="0"/>
-              <a:t>8/7/2017</a:t>
+              <a:t>8/8/2017</a:t>
             </a:fld>
             <a:endParaRPr lang="en-PH"/>
           </a:p>
@@ -1406,7 +1410,7 @@
           <a:p>
             <a:fld id="{E2F22D9A-8946-4D05-BCCC-5CBC293D2BDF}" type="datetimeFigureOut">
               <a:rPr lang="en-PH" smtClean="0"/>
-              <a:t>8/7/2017</a:t>
+              <a:t>8/8/2017</a:t>
             </a:fld>
             <a:endParaRPr lang="en-PH"/>
           </a:p>
@@ -2029,7 +2033,7 @@
           <a:p>
             <a:fld id="{E2F22D9A-8946-4D05-BCCC-5CBC293D2BDF}" type="datetimeFigureOut">
               <a:rPr lang="en-PH" smtClean="0"/>
-              <a:t>8/7/2017</a:t>
+              <a:t>8/8/2017</a:t>
             </a:fld>
             <a:endParaRPr lang="en-PH"/>
           </a:p>
@@ -2889,7 +2893,7 @@
           <a:p>
             <a:fld id="{E2F22D9A-8946-4D05-BCCC-5CBC293D2BDF}" type="datetimeFigureOut">
               <a:rPr lang="en-PH" smtClean="0"/>
-              <a:t>8/7/2017</a:t>
+              <a:t>8/8/2017</a:t>
             </a:fld>
             <a:endParaRPr lang="en-PH"/>
           </a:p>
@@ -3059,7 +3063,7 @@
           <a:p>
             <a:fld id="{E2F22D9A-8946-4D05-BCCC-5CBC293D2BDF}" type="datetimeFigureOut">
               <a:rPr lang="en-PH" smtClean="0"/>
-              <a:t>8/7/2017</a:t>
+              <a:t>8/8/2017</a:t>
             </a:fld>
             <a:endParaRPr lang="en-PH"/>
           </a:p>
@@ -3239,7 +3243,7 @@
           <a:p>
             <a:fld id="{E2F22D9A-8946-4D05-BCCC-5CBC293D2BDF}" type="datetimeFigureOut">
               <a:rPr lang="en-PH" smtClean="0"/>
-              <a:t>8/7/2017</a:t>
+              <a:t>8/8/2017</a:t>
             </a:fld>
             <a:endParaRPr lang="en-PH"/>
           </a:p>
@@ -3409,7 +3413,7 @@
           <a:p>
             <a:fld id="{E2F22D9A-8946-4D05-BCCC-5CBC293D2BDF}" type="datetimeFigureOut">
               <a:rPr lang="en-PH" smtClean="0"/>
-              <a:t>8/7/2017</a:t>
+              <a:t>8/8/2017</a:t>
             </a:fld>
             <a:endParaRPr lang="en-PH"/>
           </a:p>
@@ -3656,7 +3660,7 @@
           <a:p>
             <a:fld id="{E2F22D9A-8946-4D05-BCCC-5CBC293D2BDF}" type="datetimeFigureOut">
               <a:rPr lang="en-PH" smtClean="0"/>
-              <a:t>8/7/2017</a:t>
+              <a:t>8/8/2017</a:t>
             </a:fld>
             <a:endParaRPr lang="en-PH"/>
           </a:p>
@@ -3948,7 +3952,7 @@
           <a:p>
             <a:fld id="{E2F22D9A-8946-4D05-BCCC-5CBC293D2BDF}" type="datetimeFigureOut">
               <a:rPr lang="en-PH" smtClean="0"/>
-              <a:t>8/7/2017</a:t>
+              <a:t>8/8/2017</a:t>
             </a:fld>
             <a:endParaRPr lang="en-PH"/>
           </a:p>
@@ -4392,7 +4396,7 @@
           <a:p>
             <a:fld id="{E2F22D9A-8946-4D05-BCCC-5CBC293D2BDF}" type="datetimeFigureOut">
               <a:rPr lang="en-PH" smtClean="0"/>
-              <a:t>8/7/2017</a:t>
+              <a:t>8/8/2017</a:t>
             </a:fld>
             <a:endParaRPr lang="en-PH"/>
           </a:p>
@@ -4510,7 +4514,7 @@
           <a:p>
             <a:fld id="{E2F22D9A-8946-4D05-BCCC-5CBC293D2BDF}" type="datetimeFigureOut">
               <a:rPr lang="en-PH" smtClean="0"/>
-              <a:t>8/7/2017</a:t>
+              <a:t>8/8/2017</a:t>
             </a:fld>
             <a:endParaRPr lang="en-PH"/>
           </a:p>
@@ -4605,7 +4609,7 @@
           <a:p>
             <a:fld id="{E2F22D9A-8946-4D05-BCCC-5CBC293D2BDF}" type="datetimeFigureOut">
               <a:rPr lang="en-PH" smtClean="0"/>
-              <a:t>8/7/2017</a:t>
+              <a:t>8/8/2017</a:t>
             </a:fld>
             <a:endParaRPr lang="en-PH"/>
           </a:p>
@@ -4884,7 +4888,7 @@
           <a:p>
             <a:fld id="{E2F22D9A-8946-4D05-BCCC-5CBC293D2BDF}" type="datetimeFigureOut">
               <a:rPr lang="en-PH" smtClean="0"/>
-              <a:t>8/7/2017</a:t>
+              <a:t>8/8/2017</a:t>
             </a:fld>
             <a:endParaRPr lang="en-PH"/>
           </a:p>
@@ -5159,7 +5163,7 @@
           <a:p>
             <a:fld id="{E2F22D9A-8946-4D05-BCCC-5CBC293D2BDF}" type="datetimeFigureOut">
               <a:rPr lang="en-PH" smtClean="0"/>
-              <a:t>8/7/2017</a:t>
+              <a:t>8/8/2017</a:t>
             </a:fld>
             <a:endParaRPr lang="en-PH"/>
           </a:p>
@@ -5588,7 +5592,7 @@
           <a:p>
             <a:fld id="{E2F22D9A-8946-4D05-BCCC-5CBC293D2BDF}" type="datetimeFigureOut">
               <a:rPr lang="en-PH" smtClean="0"/>
-              <a:t>8/7/2017</a:t>
+              <a:t>8/8/2017</a:t>
             </a:fld>
             <a:endParaRPr lang="en-PH"/>
           </a:p>
@@ -7047,8 +7051,8 @@
           <a:lstStyle/>
           <a:p>
             <a:r>
-              <a:rPr lang="en-US" altLang="en-US" dirty="0"/>
-              <a:t>Example</a:t>
+              <a:rPr lang="en-US" dirty="0" smtClean="0"/>
+              <a:t>Cloning example</a:t>
             </a:r>
             <a:endParaRPr lang="en-PH" dirty="0"/>
           </a:p>
@@ -7215,13 +7219,13 @@
         </p:nvPicPr>
         <p:blipFill rotWithShape="1">
           <a:blip r:embed="rId2"/>
-          <a:srcRect l="6379" t="47310" r="7097" b="13461"/>
+          <a:srcRect l="6379" t="47310" r="35889" b="13461"/>
           <a:stretch/>
         </p:blipFill>
         <p:spPr>
           <a:xfrm>
-            <a:off x="759264" y="1454283"/>
-            <a:ext cx="10466754" cy="2667998"/>
+            <a:off x="786787" y="2760158"/>
+            <a:ext cx="5923501" cy="2262949"/>
           </a:xfrm>
           <a:prstGeom prst="rect">
             <a:avLst/>
@@ -7236,7 +7240,7 @@
         </p:nvSpPr>
         <p:spPr>
           <a:xfrm>
-            <a:off x="759264" y="4445391"/>
+            <a:off x="646111" y="1668582"/>
             <a:ext cx="10466754" cy="369332"/>
           </a:xfrm>
           <a:prstGeom prst="rect">
@@ -7258,10 +7262,522 @@
           </a:p>
         </p:txBody>
       </p:sp>
+      <p:pic>
+        <p:nvPicPr>
+          <p:cNvPr id="6" name="Picture 5"/>
+          <p:cNvPicPr>
+            <a:picLocks noChangeAspect="1"/>
+          </p:cNvPicPr>
+          <p:nvPr/>
+        </p:nvPicPr>
+        <p:blipFill rotWithShape="1">
+          <a:blip r:embed="rId3"/>
+          <a:srcRect l="6283" t="19663" r="21492" b="13990"/>
+          <a:stretch/>
+        </p:blipFill>
+        <p:spPr>
+          <a:xfrm>
+            <a:off x="6871566" y="3891633"/>
+            <a:ext cx="4973431" cy="2568613"/>
+          </a:xfrm>
+          <a:prstGeom prst="rect">
+            <a:avLst/>
+          </a:prstGeom>
+        </p:spPr>
+      </p:pic>
+      <p:sp>
+        <p:nvSpPr>
+          <p:cNvPr id="3" name="TextBox 2"/>
+          <p:cNvSpPr txBox="1"/>
+          <p:nvPr/>
+        </p:nvSpPr>
+        <p:spPr>
+          <a:xfrm>
+            <a:off x="786787" y="5023107"/>
+            <a:ext cx="3267241" cy="369332"/>
+          </a:xfrm>
+          <a:prstGeom prst="rect">
+            <a:avLst/>
+          </a:prstGeom>
+          <a:noFill/>
+        </p:spPr>
+        <p:txBody>
+          <a:bodyPr wrap="none" rtlCol="0">
+            <a:spAutoFit/>
+          </a:bodyPr>
+          <a:lstStyle/>
+          <a:p>
+            <a:r>
+              <a:rPr lang="en-PH" dirty="0" smtClean="0"/>
+              <a:t>Repository with no changes</a:t>
+            </a:r>
+            <a:endParaRPr lang="en-PH" dirty="0"/>
+          </a:p>
+        </p:txBody>
+      </p:sp>
+      <p:sp>
+        <p:nvSpPr>
+          <p:cNvPr id="7" name="TextBox 6"/>
+          <p:cNvSpPr txBox="1"/>
+          <p:nvPr/>
+        </p:nvSpPr>
+        <p:spPr>
+          <a:xfrm>
+            <a:off x="8933623" y="3522300"/>
+            <a:ext cx="2911374" cy="369332"/>
+          </a:xfrm>
+          <a:prstGeom prst="rect">
+            <a:avLst/>
+          </a:prstGeom>
+          <a:noFill/>
+        </p:spPr>
+        <p:txBody>
+          <a:bodyPr wrap="none" rtlCol="0">
+            <a:spAutoFit/>
+          </a:bodyPr>
+          <a:lstStyle/>
+          <a:p>
+            <a:r>
+              <a:rPr lang="en-PH" dirty="0" smtClean="0"/>
+              <a:t>Repository with changes</a:t>
+            </a:r>
+            <a:endParaRPr lang="en-PH" dirty="0"/>
+          </a:p>
+        </p:txBody>
+      </p:sp>
     </p:spTree>
     <p:extLst>
       <p:ext uri="{BB962C8B-B14F-4D97-AF65-F5344CB8AC3E}">
         <p14:creationId xmlns:p14="http://schemas.microsoft.com/office/powerpoint/2010/main" val="1313159786"/>
+      </p:ext>
+    </p:extLst>
+  </p:cSld>
+  <p:clrMapOvr>
+    <a:masterClrMapping/>
+  </p:clrMapOvr>
+</p:sld>
+</file>
+
+<file path=ppt/slides/slide16.xml><?xml version="1.0" encoding="utf-8"?>
+<p:sld xmlns:a="http://schemas.openxmlformats.org/drawingml/2006/main" xmlns:r="http://schemas.openxmlformats.org/officeDocument/2006/relationships" xmlns:p="http://schemas.openxmlformats.org/presentationml/2006/main">
+  <p:cSld>
+    <p:spTree>
+      <p:nvGrpSpPr>
+        <p:cNvPr id="1" name=""/>
+        <p:cNvGrpSpPr/>
+        <p:nvPr/>
+      </p:nvGrpSpPr>
+      <p:grpSpPr>
+        <a:xfrm>
+          <a:off x="0" y="0"/>
+          <a:ext cx="0" cy="0"/>
+          <a:chOff x="0" y="0"/>
+          <a:chExt cx="0" cy="0"/>
+        </a:xfrm>
+      </p:grpSpPr>
+      <p:sp>
+        <p:nvSpPr>
+          <p:cNvPr id="2" name="Title 1"/>
+          <p:cNvSpPr>
+            <a:spLocks noGrp="1"/>
+          </p:cNvSpPr>
+          <p:nvPr>
+            <p:ph type="title"/>
+          </p:nvPr>
+        </p:nvSpPr>
+        <p:spPr/>
+        <p:txBody>
+          <a:bodyPr/>
+          <a:lstStyle/>
+          <a:p>
+            <a:r>
+              <a:rPr lang="en-PH" dirty="0" smtClean="0"/>
+              <a:t>Uploading changes</a:t>
+            </a:r>
+            <a:endParaRPr lang="en-PH" dirty="0"/>
+          </a:p>
+        </p:txBody>
+      </p:sp>
+      <p:sp>
+        <p:nvSpPr>
+          <p:cNvPr id="3" name="Content Placeholder 2"/>
+          <p:cNvSpPr>
+            <a:spLocks noGrp="1"/>
+          </p:cNvSpPr>
+          <p:nvPr>
+            <p:ph idx="1"/>
+          </p:nvPr>
+        </p:nvSpPr>
+        <p:spPr>
+          <a:xfrm>
+            <a:off x="1104293" y="1659023"/>
+            <a:ext cx="8946541" cy="4195481"/>
+          </a:xfrm>
+        </p:spPr>
+        <p:txBody>
+          <a:bodyPr/>
+          <a:lstStyle/>
+          <a:p>
+            <a:r>
+              <a:rPr lang="en-US" altLang="en-US" dirty="0"/>
+              <a:t>Commit changes – updates local repo</a:t>
+            </a:r>
+          </a:p>
+        </p:txBody>
+      </p:sp>
+      <p:pic>
+        <p:nvPicPr>
+          <p:cNvPr id="4" name="Picture 3"/>
+          <p:cNvPicPr>
+            <a:picLocks noChangeAspect="1"/>
+          </p:cNvPicPr>
+          <p:nvPr/>
+        </p:nvPicPr>
+        <p:blipFill rotWithShape="1">
+          <a:blip r:embed="rId2">
+            <a:extLst>
+              <a:ext uri="{28A0092B-C50C-407E-A947-70E740481C1C}">
+                <a14:useLocalDpi xmlns:a14="http://schemas.microsoft.com/office/drawing/2010/main" val="0"/>
+              </a:ext>
+            </a:extLst>
+          </a:blip>
+          <a:srcRect l="6713" t="28212" r="16923" b="13389"/>
+          <a:stretch/>
+        </p:blipFill>
+        <p:spPr>
+          <a:xfrm>
+            <a:off x="1104293" y="2193888"/>
+            <a:ext cx="9472567" cy="4094370"/>
+          </a:xfrm>
+          <a:prstGeom prst="rect">
+            <a:avLst/>
+          </a:prstGeom>
+        </p:spPr>
+      </p:pic>
+    </p:spTree>
+    <p:extLst>
+      <p:ext uri="{BB962C8B-B14F-4D97-AF65-F5344CB8AC3E}">
+        <p14:creationId xmlns:p14="http://schemas.microsoft.com/office/powerpoint/2010/main" val="93098250"/>
+      </p:ext>
+    </p:extLst>
+  </p:cSld>
+  <p:clrMapOvr>
+    <a:masterClrMapping/>
+  </p:clrMapOvr>
+</p:sld>
+</file>
+
+<file path=ppt/slides/slide17.xml><?xml version="1.0" encoding="utf-8"?>
+<p:sld xmlns:a="http://schemas.openxmlformats.org/drawingml/2006/main" xmlns:r="http://schemas.openxmlformats.org/officeDocument/2006/relationships" xmlns:p="http://schemas.openxmlformats.org/presentationml/2006/main">
+  <p:cSld>
+    <p:spTree>
+      <p:nvGrpSpPr>
+        <p:cNvPr id="1" name=""/>
+        <p:cNvGrpSpPr/>
+        <p:nvPr/>
+      </p:nvGrpSpPr>
+      <p:grpSpPr>
+        <a:xfrm>
+          <a:off x="0" y="0"/>
+          <a:ext cx="0" cy="0"/>
+          <a:chOff x="0" y="0"/>
+          <a:chExt cx="0" cy="0"/>
+        </a:xfrm>
+      </p:grpSpPr>
+      <p:sp>
+        <p:nvSpPr>
+          <p:cNvPr id="2" name="Title 1"/>
+          <p:cNvSpPr>
+            <a:spLocks noGrp="1"/>
+          </p:cNvSpPr>
+          <p:nvPr>
+            <p:ph type="title"/>
+          </p:nvPr>
+        </p:nvSpPr>
+        <p:spPr/>
+        <p:txBody>
+          <a:bodyPr/>
+          <a:lstStyle/>
+          <a:p>
+            <a:r>
+              <a:rPr lang="en-PH" dirty="0"/>
+              <a:t>Uploading changes</a:t>
+            </a:r>
+          </a:p>
+        </p:txBody>
+      </p:sp>
+      <p:pic>
+        <p:nvPicPr>
+          <p:cNvPr id="4" name="Content Placeholder 3"/>
+          <p:cNvPicPr>
+            <a:picLocks noGrp="1" noChangeAspect="1"/>
+          </p:cNvPicPr>
+          <p:nvPr>
+            <p:ph idx="1"/>
+          </p:nvPr>
+        </p:nvPicPr>
+        <p:blipFill rotWithShape="1">
+          <a:blip r:embed="rId2">
+            <a:extLst>
+              <a:ext uri="{28A0092B-C50C-407E-A947-70E740481C1C}">
+                <a14:useLocalDpi xmlns:a14="http://schemas.microsoft.com/office/drawing/2010/main" val="0"/>
+              </a:ext>
+            </a:extLst>
+          </a:blip>
+          <a:srcRect l="6751" t="49749" r="31985" b="13706"/>
+          <a:stretch/>
+        </p:blipFill>
+        <p:spPr>
+          <a:xfrm>
+            <a:off x="646111" y="1659987"/>
+            <a:ext cx="9479558" cy="3179299"/>
+          </a:xfrm>
+        </p:spPr>
+      </p:pic>
+    </p:spTree>
+    <p:extLst>
+      <p:ext uri="{BB962C8B-B14F-4D97-AF65-F5344CB8AC3E}">
+        <p14:creationId xmlns:p14="http://schemas.microsoft.com/office/powerpoint/2010/main" val="1460765318"/>
+      </p:ext>
+    </p:extLst>
+  </p:cSld>
+  <p:clrMapOvr>
+    <a:masterClrMapping/>
+  </p:clrMapOvr>
+</p:sld>
+</file>
+
+<file path=ppt/slides/slide18.xml><?xml version="1.0" encoding="utf-8"?>
+<p:sld xmlns:a="http://schemas.openxmlformats.org/drawingml/2006/main" xmlns:r="http://schemas.openxmlformats.org/officeDocument/2006/relationships" xmlns:p="http://schemas.openxmlformats.org/presentationml/2006/main">
+  <p:cSld>
+    <p:spTree>
+      <p:nvGrpSpPr>
+        <p:cNvPr id="1" name=""/>
+        <p:cNvGrpSpPr/>
+        <p:nvPr/>
+      </p:nvGrpSpPr>
+      <p:grpSpPr>
+        <a:xfrm>
+          <a:off x="0" y="0"/>
+          <a:ext cx="0" cy="0"/>
+          <a:chOff x="0" y="0"/>
+          <a:chExt cx="0" cy="0"/>
+        </a:xfrm>
+      </p:grpSpPr>
+      <p:sp>
+        <p:nvSpPr>
+          <p:cNvPr id="2" name="Title 1"/>
+          <p:cNvSpPr>
+            <a:spLocks noGrp="1"/>
+          </p:cNvSpPr>
+          <p:nvPr>
+            <p:ph type="title"/>
+          </p:nvPr>
+        </p:nvSpPr>
+        <p:spPr/>
+        <p:txBody>
+          <a:bodyPr/>
+          <a:lstStyle/>
+          <a:p>
+            <a:r>
+              <a:rPr lang="en-US" altLang="en-US" dirty="0"/>
+              <a:t>Keep everyone in </a:t>
+            </a:r>
+            <a:r>
+              <a:rPr lang="en-US" altLang="en-US" dirty="0" smtClean="0"/>
+              <a:t>sync</a:t>
+            </a:r>
+            <a:endParaRPr lang="en-PH" dirty="0"/>
+          </a:p>
+        </p:txBody>
+      </p:sp>
+      <p:sp>
+        <p:nvSpPr>
+          <p:cNvPr id="3" name="Content Placeholder 2"/>
+          <p:cNvSpPr>
+            <a:spLocks noGrp="1"/>
+          </p:cNvSpPr>
+          <p:nvPr>
+            <p:ph idx="1"/>
+          </p:nvPr>
+        </p:nvSpPr>
+        <p:spPr/>
+        <p:txBody>
+          <a:bodyPr/>
+          <a:lstStyle/>
+          <a:p>
+            <a:r>
+              <a:rPr lang="en-US" altLang="en-US" dirty="0"/>
+              <a:t>Be very careful not to make conflicting changes!</a:t>
+            </a:r>
+          </a:p>
+          <a:p>
+            <a:r>
+              <a:rPr lang="en-US" altLang="en-US" dirty="0"/>
+              <a:t>Merge with conflicts covered later</a:t>
+            </a:r>
+          </a:p>
+          <a:p>
+            <a:r>
+              <a:rPr lang="en-US" altLang="en-US" dirty="0"/>
+              <a:t>Two options for synchronizing:</a:t>
+            </a:r>
+          </a:p>
+          <a:p>
+            <a:pPr lvl="1"/>
+            <a:r>
+              <a:rPr lang="en-US" altLang="en-US" dirty="0"/>
+              <a:t>Fetch/merge</a:t>
+            </a:r>
+          </a:p>
+          <a:p>
+            <a:pPr lvl="1"/>
+            <a:r>
+              <a:rPr lang="en-US" altLang="en-US" dirty="0"/>
+              <a:t>Pull</a:t>
+            </a:r>
+          </a:p>
+          <a:p>
+            <a:r>
+              <a:rPr lang="en-US" altLang="en-US" dirty="0"/>
+              <a:t>Pull is usually simpler, but we’ll cover both. </a:t>
+            </a:r>
+          </a:p>
+          <a:p>
+            <a:endParaRPr lang="en-PH" dirty="0"/>
+          </a:p>
+        </p:txBody>
+      </p:sp>
+    </p:spTree>
+    <p:extLst>
+      <p:ext uri="{BB962C8B-B14F-4D97-AF65-F5344CB8AC3E}">
+        <p14:creationId xmlns:p14="http://schemas.microsoft.com/office/powerpoint/2010/main" val="4075342686"/>
+      </p:ext>
+    </p:extLst>
+  </p:cSld>
+  <p:clrMapOvr>
+    <a:masterClrMapping/>
+  </p:clrMapOvr>
+</p:sld>
+</file>
+
+<file path=ppt/slides/slide19.xml><?xml version="1.0" encoding="utf-8"?>
+<p:sld xmlns:a="http://schemas.openxmlformats.org/drawingml/2006/main" xmlns:r="http://schemas.openxmlformats.org/officeDocument/2006/relationships" xmlns:p="http://schemas.openxmlformats.org/presentationml/2006/main">
+  <p:cSld>
+    <p:spTree>
+      <p:nvGrpSpPr>
+        <p:cNvPr id="1" name=""/>
+        <p:cNvGrpSpPr/>
+        <p:nvPr/>
+      </p:nvGrpSpPr>
+      <p:grpSpPr>
+        <a:xfrm>
+          <a:off x="0" y="0"/>
+          <a:ext cx="0" cy="0"/>
+          <a:chOff x="0" y="0"/>
+          <a:chExt cx="0" cy="0"/>
+        </a:xfrm>
+      </p:grpSpPr>
+      <p:sp>
+        <p:nvSpPr>
+          <p:cNvPr id="2" name="Title 1"/>
+          <p:cNvSpPr>
+            <a:spLocks noGrp="1"/>
+          </p:cNvSpPr>
+          <p:nvPr>
+            <p:ph type="title"/>
+          </p:nvPr>
+        </p:nvSpPr>
+        <p:spPr/>
+        <p:txBody>
+          <a:bodyPr/>
+          <a:lstStyle/>
+          <a:p>
+            <a:r>
+              <a:rPr lang="en-US" altLang="en-US" dirty="0"/>
+              <a:t>Pull example – on original machine</a:t>
+            </a:r>
+            <a:endParaRPr lang="en-PH" dirty="0"/>
+          </a:p>
+        </p:txBody>
+      </p:sp>
+      <p:sp>
+        <p:nvSpPr>
+          <p:cNvPr id="3" name="Content Placeholder 2"/>
+          <p:cNvSpPr>
+            <a:spLocks noGrp="1"/>
+          </p:cNvSpPr>
+          <p:nvPr>
+            <p:ph idx="1"/>
+          </p:nvPr>
+        </p:nvSpPr>
+        <p:spPr>
+          <a:xfrm>
+            <a:off x="1104293" y="1560549"/>
+            <a:ext cx="8946541" cy="4195481"/>
+          </a:xfrm>
+        </p:spPr>
+        <p:txBody>
+          <a:bodyPr/>
+          <a:lstStyle/>
+          <a:p>
+            <a:r>
+              <a:rPr lang="en-US" altLang="en-US" dirty="0"/>
+              <a:t>If you’re careful to avoid conflicts, and you’re working on the master branch, easier to just pull. </a:t>
+            </a:r>
+          </a:p>
+          <a:p>
+            <a:r>
+              <a:rPr lang="en-US" altLang="en-US" dirty="0"/>
+              <a:t>Make some changes on original </a:t>
+            </a:r>
+            <a:r>
+              <a:rPr lang="en-US" altLang="en-US" dirty="0" smtClean="0"/>
+              <a:t>machine</a:t>
+            </a:r>
+          </a:p>
+          <a:p>
+            <a:r>
+              <a:rPr lang="en-US" altLang="en-US" dirty="0" smtClean="0"/>
+              <a:t>Don’t forget to commit! </a:t>
+            </a:r>
+            <a:endParaRPr lang="en-PH" dirty="0"/>
+          </a:p>
+        </p:txBody>
+      </p:sp>
+      <p:pic>
+        <p:nvPicPr>
+          <p:cNvPr id="4" name="Picture 3"/>
+          <p:cNvPicPr>
+            <a:picLocks noChangeAspect="1"/>
+          </p:cNvPicPr>
+          <p:nvPr/>
+        </p:nvPicPr>
+        <p:blipFill rotWithShape="1">
+          <a:blip r:embed="rId2">
+            <a:extLst>
+              <a:ext uri="{28A0092B-C50C-407E-A947-70E740481C1C}">
+                <a14:useLocalDpi xmlns:a14="http://schemas.microsoft.com/office/drawing/2010/main" val="0"/>
+              </a:ext>
+            </a:extLst>
+          </a:blip>
+          <a:srcRect l="6736" t="41281" r="8928" b="12201"/>
+          <a:stretch/>
+        </p:blipFill>
+        <p:spPr>
+          <a:xfrm>
+            <a:off x="1702191" y="3429000"/>
+            <a:ext cx="8482818" cy="2630658"/>
+          </a:xfrm>
+          <a:prstGeom prst="rect">
+            <a:avLst/>
+          </a:prstGeom>
+        </p:spPr>
+      </p:pic>
+    </p:spTree>
+    <p:extLst>
+      <p:ext uri="{BB962C8B-B14F-4D97-AF65-F5344CB8AC3E}">
+        <p14:creationId xmlns:p14="http://schemas.microsoft.com/office/powerpoint/2010/main" val="3019268470"/>
       </p:ext>
     </p:extLst>
   </p:cSld>
@@ -7440,17 +7956,6 @@
               </a:rPr>
               <a:t>Now we’ll talk about this part</a:t>
             </a:r>
-            <a:endParaRPr lang="en-US" altLang="en-US" sz="2800" dirty="0">
-              <a:ln w="0"/>
-              <a:effectLst>
-                <a:outerShdw blurRad="38100" dist="19050" dir="2700000" algn="tl" rotWithShape="0">
-                  <a:schemeClr val="dk1">
-                    <a:alpha val="40000"/>
-                  </a:schemeClr>
-                </a:outerShdw>
-              </a:effectLst>
-              <a:latin typeface="Arial" panose="020B0604020202020204" pitchFamily="34" charset="0"/>
-            </a:endParaRPr>
           </a:p>
         </p:txBody>
       </p:sp>
@@ -8644,9 +9149,6 @@
               </a:rPr>
               <a:t>) </a:t>
             </a:r>
-            <a:endParaRPr lang="en-US" altLang="en-US" dirty="0">
-              <a:latin typeface="Arial" panose="020B0604020202020204" pitchFamily="34" charset="0"/>
-            </a:endParaRPr>
           </a:p>
         </p:txBody>
       </p:sp>
